--- a/FINAL PROJECT C++.pptx
+++ b/FINAL PROJECT C++.pptx
@@ -7,7 +7,9 @@
   <p:sldIdLst>
     <p:sldId id="256" r:id="rId2"/>
     <p:sldId id="257" r:id="rId3"/>
-    <p:sldId id="258" r:id="rId4"/>
+    <p:sldId id="259" r:id="rId4"/>
+    <p:sldId id="258" r:id="rId5"/>
+    <p:sldId id="261" r:id="rId6"/>
   </p:sldIdLst>
   <p:sldSz cx="12192000" cy="6858000"/>
   <p:notesSz cx="6858000" cy="9144000"/>
@@ -106,6 +108,11 @@
       </a:defRPr>
     </a:lvl9pPr>
   </p:defaultTextStyle>
+  <p:extLst>
+    <p:ext uri="{EFAFB233-063F-42B5-8137-9DF3F51BA10A}">
+      <p15:sldGuideLst xmlns:p15="http://schemas.microsoft.com/office/powerpoint/2012/main"/>
+    </p:ext>
+  </p:extLst>
 </p:presentation>
 </file>
 
@@ -5364,8 +5371,38 @@
               <a:buChar char="•"/>
             </a:pPr>
             <a:r>
-              <a:rPr lang="en-US" b="1" dirty="0" smtClean="0"/>
-              <a:t>Samuel</a:t>
+              <a:rPr lang="pt-BR" b="1" dirty="0"/>
+              <a:t>17.83.0012 Sukma Alfianto </a:t>
+            </a:r>
+            <a:endParaRPr lang="pt-BR" b="1" dirty="0" smtClean="0"/>
+          </a:p>
+          <a:p>
+            <a:pPr marL="342900" indent="-342900">
+              <a:buFont typeface="Arial" panose="020B0604020202020204" pitchFamily="34" charset="0"/>
+              <a:buChar char="•"/>
+            </a:pPr>
+            <a:r>
+              <a:rPr lang="pt-BR" b="1" dirty="0" smtClean="0"/>
+              <a:t>17.83.0043 </a:t>
+            </a:r>
+            <a:r>
+              <a:rPr lang="pt-BR" b="1" dirty="0"/>
+              <a:t>Armanda </a:t>
+            </a:r>
+            <a:endParaRPr lang="pt-BR" b="1" dirty="0" smtClean="0"/>
+          </a:p>
+          <a:p>
+            <a:pPr marL="342900" indent="-342900">
+              <a:buFont typeface="Arial" panose="020B0604020202020204" pitchFamily="34" charset="0"/>
+              <a:buChar char="•"/>
+            </a:pPr>
+            <a:r>
+              <a:rPr lang="pt-BR" b="1" dirty="0" smtClean="0"/>
+              <a:t>17.83.0050 </a:t>
+            </a:r>
+            <a:r>
+              <a:rPr lang="pt-BR" b="1" dirty="0"/>
+              <a:t>Samuel Sinambela</a:t>
             </a:r>
             <a:endParaRPr lang="en-US" dirty="0"/>
           </a:p>
@@ -5411,7 +5448,7 @@
         </p:nvSpPr>
         <p:spPr>
           <a:xfrm>
-            <a:off x="888607" y="871370"/>
+            <a:off x="927796" y="296605"/>
             <a:ext cx="8001000" cy="968188"/>
           </a:xfrm>
           <a:prstGeom prst="rect">
@@ -5421,7 +5458,7 @@
         </p:spPr>
         <p:txBody>
           <a:bodyPr vert="horz" lIns="91440" tIns="45720" rIns="91440" bIns="45720" rtlCol="0" anchor="ctr">
-            <a:normAutofit/>
+            <a:normAutofit fontScale="62500" lnSpcReduction="20000"/>
           </a:bodyPr>
           <a:lstStyle>
             <a:lvl1pPr algn="l" defTabSz="457200" rtl="0" eaLnBrk="1" latinLnBrk="0" hangingPunct="1">
@@ -5502,12 +5539,95 @@
           <a:p>
             <a:r>
               <a:rPr lang="en-US" b="1" dirty="0" smtClean="0"/>
-              <a:t>FINAL PROJECT C++</a:t>
+              <a:t>FINAL PROJECT C</a:t>
+            </a:r>
+            <a:r>
+              <a:rPr lang="en-US" b="1" dirty="0" smtClean="0"/>
+              <a:t>++</a:t>
+            </a:r>
+          </a:p>
+          <a:p>
+            <a:pPr marL="571500" indent="-571500">
+              <a:buFont typeface="Wingdings" panose="05000000000000000000" pitchFamily="2" charset="2"/>
+              <a:buChar char="Ø"/>
+            </a:pPr>
+            <a:r>
+              <a:rPr lang="en-US" b="1" dirty="0" err="1" smtClean="0"/>
+              <a:t>Tabel</a:t>
+            </a:r>
+            <a:r>
+              <a:rPr lang="en-US" b="1" dirty="0" smtClean="0"/>
+              <a:t> ASCII</a:t>
+            </a:r>
+          </a:p>
+          <a:p>
+            <a:pPr marL="571500" indent="-571500">
+              <a:buFont typeface="Wingdings" panose="05000000000000000000" pitchFamily="2" charset="2"/>
+              <a:buChar char="Ø"/>
+            </a:pPr>
+            <a:r>
+              <a:rPr lang="en-US" b="1" dirty="0" err="1" smtClean="0"/>
+              <a:t>Melihat</a:t>
+            </a:r>
+            <a:r>
+              <a:rPr lang="en-US" b="1" dirty="0" smtClean="0"/>
+              <a:t> </a:t>
+            </a:r>
+            <a:r>
+              <a:rPr lang="en-US" b="1" dirty="0" err="1" smtClean="0"/>
+              <a:t>nilai</a:t>
+            </a:r>
+            <a:r>
+              <a:rPr lang="en-US" b="1" dirty="0" smtClean="0"/>
+              <a:t> </a:t>
+            </a:r>
+            <a:r>
+              <a:rPr lang="en-US" b="1" dirty="0" err="1" smtClean="0"/>
+              <a:t>ascii</a:t>
+            </a:r>
+            <a:r>
+              <a:rPr lang="en-US" b="1" dirty="0" smtClean="0"/>
+              <a:t> </a:t>
+            </a:r>
+            <a:r>
+              <a:rPr lang="en-US" b="1" dirty="0" err="1" smtClean="0"/>
+              <a:t>dari</a:t>
+            </a:r>
+            <a:r>
+              <a:rPr lang="en-US" b="1" dirty="0" smtClean="0"/>
+              <a:t> </a:t>
+            </a:r>
+            <a:r>
+              <a:rPr lang="en-US" b="1" dirty="0" err="1" smtClean="0"/>
+              <a:t>karakter</a:t>
             </a:r>
             <a:endParaRPr lang="en-US" b="1" dirty="0"/>
           </a:p>
         </p:txBody>
       </p:sp>
+      <p:pic>
+        <p:nvPicPr>
+          <p:cNvPr id="2" name="Picture 1"/>
+          <p:cNvPicPr>
+            <a:picLocks noChangeAspect="1"/>
+          </p:cNvPicPr>
+          <p:nvPr/>
+        </p:nvPicPr>
+        <p:blipFill rotWithShape="1">
+          <a:blip r:embed="rId2"/>
+          <a:srcRect l="9983" t="27829" r="35432" b="18964"/>
+          <a:stretch/>
+        </p:blipFill>
+        <p:spPr>
+          <a:xfrm>
+            <a:off x="1033218" y="1486859"/>
+            <a:ext cx="8907616" cy="4881571"/>
+          </a:xfrm>
+          <a:prstGeom prst="rect">
+            <a:avLst/>
+          </a:prstGeom>
+        </p:spPr>
+      </p:pic>
     </p:spTree>
     <p:extLst>
       <p:ext uri="{BB962C8B-B14F-4D97-AF65-F5344CB8AC3E}">
@@ -5540,6 +5660,1155 @@
       </p:grpSpPr>
       <p:sp>
         <p:nvSpPr>
+          <p:cNvPr id="3" name="Content Placeholder 2"/>
+          <p:cNvSpPr>
+            <a:spLocks noGrp="1"/>
+          </p:cNvSpPr>
+          <p:nvPr>
+            <p:ph idx="1"/>
+          </p:nvPr>
+        </p:nvSpPr>
+        <p:spPr>
+          <a:xfrm>
+            <a:off x="671149" y="829491"/>
+            <a:ext cx="10771914" cy="4761411"/>
+          </a:xfrm>
+        </p:spPr>
+        <p:txBody>
+          <a:bodyPr>
+            <a:noAutofit/>
+          </a:bodyPr>
+          <a:lstStyle/>
+          <a:p>
+            <a:r>
+              <a:rPr lang="en-US" sz="2800" dirty="0">
+                <a:solidFill>
+                  <a:schemeClr val="tx1"/>
+                </a:solidFill>
+              </a:rPr>
+              <a:t>ASCII </a:t>
+            </a:r>
+            <a:r>
+              <a:rPr lang="en-US" sz="2800" dirty="0" err="1">
+                <a:solidFill>
+                  <a:schemeClr val="tx1"/>
+                </a:solidFill>
+              </a:rPr>
+              <a:t>merupakan</a:t>
+            </a:r>
+            <a:r>
+              <a:rPr lang="en-US" sz="2800" dirty="0">
+                <a:solidFill>
+                  <a:schemeClr val="tx1"/>
+                </a:solidFill>
+              </a:rPr>
+              <a:t> </a:t>
+            </a:r>
+            <a:r>
+              <a:rPr lang="en-US" sz="2800" dirty="0" err="1">
+                <a:solidFill>
+                  <a:schemeClr val="tx1"/>
+                </a:solidFill>
+              </a:rPr>
+              <a:t>kepanjangan</a:t>
+            </a:r>
+            <a:r>
+              <a:rPr lang="en-US" sz="2800" dirty="0">
+                <a:solidFill>
+                  <a:schemeClr val="tx1"/>
+                </a:solidFill>
+              </a:rPr>
+              <a:t> </a:t>
+            </a:r>
+            <a:r>
+              <a:rPr lang="en-US" sz="2800" dirty="0" err="1">
+                <a:solidFill>
+                  <a:schemeClr val="tx1"/>
+                </a:solidFill>
+              </a:rPr>
+              <a:t>dari</a:t>
+            </a:r>
+            <a:r>
+              <a:rPr lang="en-US" sz="2800" dirty="0">
+                <a:solidFill>
+                  <a:schemeClr val="tx1"/>
+                </a:solidFill>
+              </a:rPr>
+              <a:t> </a:t>
+            </a:r>
+            <a:r>
+              <a:rPr lang="en-US" sz="2800" i="1" dirty="0">
+                <a:solidFill>
+                  <a:schemeClr val="tx1"/>
+                </a:solidFill>
+              </a:rPr>
+              <a:t>(American Standard Code for Information Interchange)</a:t>
+            </a:r>
+            <a:r>
+              <a:rPr lang="en-US" sz="2800" dirty="0">
+                <a:solidFill>
+                  <a:schemeClr val="tx1"/>
+                </a:solidFill>
+              </a:rPr>
+              <a:t>, </a:t>
+            </a:r>
+            <a:r>
+              <a:rPr lang="en-US" sz="2800" dirty="0" err="1">
+                <a:solidFill>
+                  <a:schemeClr val="tx1"/>
+                </a:solidFill>
+              </a:rPr>
+              <a:t>dan</a:t>
+            </a:r>
+            <a:r>
+              <a:rPr lang="en-US" sz="2800" dirty="0">
+                <a:solidFill>
+                  <a:schemeClr val="tx1"/>
+                </a:solidFill>
+              </a:rPr>
+              <a:t> </a:t>
+            </a:r>
+            <a:r>
+              <a:rPr lang="en-US" sz="2800" dirty="0" err="1">
+                <a:solidFill>
+                  <a:schemeClr val="tx1"/>
+                </a:solidFill>
+              </a:rPr>
+              <a:t>pengertian</a:t>
+            </a:r>
+            <a:r>
+              <a:rPr lang="en-US" sz="2800" dirty="0">
+                <a:solidFill>
+                  <a:schemeClr val="tx1"/>
+                </a:solidFill>
+              </a:rPr>
+              <a:t> </a:t>
+            </a:r>
+            <a:r>
+              <a:rPr lang="en-US" sz="2800" dirty="0" err="1">
+                <a:solidFill>
+                  <a:schemeClr val="tx1"/>
+                </a:solidFill>
+              </a:rPr>
+              <a:t>dari</a:t>
+            </a:r>
+            <a:r>
+              <a:rPr lang="en-US" sz="2800" dirty="0">
+                <a:solidFill>
+                  <a:schemeClr val="tx1"/>
+                </a:solidFill>
+              </a:rPr>
+              <a:t> ASCII </a:t>
+            </a:r>
+            <a:r>
+              <a:rPr lang="en-US" sz="2800" dirty="0" err="1">
+                <a:solidFill>
+                  <a:schemeClr val="tx1"/>
+                </a:solidFill>
+              </a:rPr>
+              <a:t>sendiri</a:t>
+            </a:r>
+            <a:r>
+              <a:rPr lang="en-US" sz="2800" dirty="0">
+                <a:solidFill>
+                  <a:schemeClr val="tx1"/>
+                </a:solidFill>
+              </a:rPr>
+              <a:t> </a:t>
+            </a:r>
+            <a:r>
+              <a:rPr lang="en-US" sz="2800" dirty="0" err="1">
+                <a:solidFill>
+                  <a:schemeClr val="tx1"/>
+                </a:solidFill>
+              </a:rPr>
+              <a:t>adalah</a:t>
+            </a:r>
+            <a:r>
+              <a:rPr lang="en-US" sz="2800" dirty="0">
+                <a:solidFill>
+                  <a:schemeClr val="tx1"/>
+                </a:solidFill>
+              </a:rPr>
+              <a:t> </a:t>
+            </a:r>
+            <a:r>
+              <a:rPr lang="en-US" sz="2800" dirty="0" err="1">
+                <a:solidFill>
+                  <a:schemeClr val="tx1"/>
+                </a:solidFill>
+              </a:rPr>
+              <a:t>suatu</a:t>
+            </a:r>
+            <a:r>
+              <a:rPr lang="en-US" sz="2800" dirty="0">
+                <a:solidFill>
+                  <a:schemeClr val="tx1"/>
+                </a:solidFill>
+              </a:rPr>
+              <a:t> </a:t>
+            </a:r>
+            <a:r>
+              <a:rPr lang="en-US" sz="2800" dirty="0" err="1">
+                <a:solidFill>
+                  <a:schemeClr val="tx1"/>
+                </a:solidFill>
+              </a:rPr>
+              <a:t>standar</a:t>
+            </a:r>
+            <a:r>
+              <a:rPr lang="en-US" sz="2800" dirty="0">
+                <a:solidFill>
+                  <a:schemeClr val="tx1"/>
+                </a:solidFill>
+              </a:rPr>
+              <a:t> </a:t>
+            </a:r>
+            <a:r>
+              <a:rPr lang="en-US" sz="2800" dirty="0" err="1">
+                <a:solidFill>
+                  <a:schemeClr val="tx1"/>
+                </a:solidFill>
+              </a:rPr>
+              <a:t>internasional</a:t>
+            </a:r>
+            <a:r>
+              <a:rPr lang="en-US" sz="2800" dirty="0">
+                <a:solidFill>
+                  <a:schemeClr val="tx1"/>
+                </a:solidFill>
+              </a:rPr>
+              <a:t> </a:t>
+            </a:r>
+            <a:r>
+              <a:rPr lang="en-US" sz="2800" dirty="0" err="1">
+                <a:solidFill>
+                  <a:schemeClr val="tx1"/>
+                </a:solidFill>
+              </a:rPr>
+              <a:t>dalam</a:t>
+            </a:r>
+            <a:r>
+              <a:rPr lang="en-US" sz="2800" dirty="0">
+                <a:solidFill>
+                  <a:schemeClr val="tx1"/>
+                </a:solidFill>
+              </a:rPr>
+              <a:t> </a:t>
+            </a:r>
+            <a:r>
+              <a:rPr lang="en-US" sz="2800" dirty="0" err="1">
+                <a:solidFill>
+                  <a:schemeClr val="tx1"/>
+                </a:solidFill>
+              </a:rPr>
+              <a:t>kode</a:t>
+            </a:r>
+            <a:r>
+              <a:rPr lang="en-US" sz="2800" dirty="0">
+                <a:solidFill>
+                  <a:schemeClr val="tx1"/>
+                </a:solidFill>
+              </a:rPr>
+              <a:t> </a:t>
+            </a:r>
+            <a:r>
+              <a:rPr lang="en-US" sz="2800" dirty="0" err="1">
+                <a:solidFill>
+                  <a:schemeClr val="tx1"/>
+                </a:solidFill>
+              </a:rPr>
+              <a:t>huruf</a:t>
+            </a:r>
+            <a:r>
+              <a:rPr lang="en-US" sz="2800" dirty="0">
+                <a:solidFill>
+                  <a:schemeClr val="tx1"/>
+                </a:solidFill>
+              </a:rPr>
+              <a:t> </a:t>
+            </a:r>
+            <a:r>
+              <a:rPr lang="en-US" sz="2800" dirty="0" err="1">
+                <a:solidFill>
+                  <a:schemeClr val="tx1"/>
+                </a:solidFill>
+              </a:rPr>
+              <a:t>dan</a:t>
+            </a:r>
+            <a:r>
+              <a:rPr lang="en-US" sz="2800" dirty="0">
+                <a:solidFill>
+                  <a:schemeClr val="tx1"/>
+                </a:solidFill>
+              </a:rPr>
+              <a:t> </a:t>
+            </a:r>
+            <a:r>
+              <a:rPr lang="en-US" sz="2800" dirty="0" err="1">
+                <a:solidFill>
+                  <a:schemeClr val="tx1"/>
+                </a:solidFill>
+              </a:rPr>
+              <a:t>simbol</a:t>
+            </a:r>
+            <a:r>
+              <a:rPr lang="en-US" sz="2800" dirty="0">
+                <a:solidFill>
+                  <a:schemeClr val="tx1"/>
+                </a:solidFill>
+              </a:rPr>
+              <a:t> </a:t>
+            </a:r>
+            <a:r>
+              <a:rPr lang="en-US" sz="2800" dirty="0" err="1">
+                <a:solidFill>
+                  <a:schemeClr val="tx1"/>
+                </a:solidFill>
+              </a:rPr>
+              <a:t>seperti</a:t>
+            </a:r>
+            <a:r>
+              <a:rPr lang="en-US" sz="2800" dirty="0">
+                <a:solidFill>
+                  <a:schemeClr val="tx1"/>
+                </a:solidFill>
+              </a:rPr>
+              <a:t> Hex </a:t>
+            </a:r>
+            <a:r>
+              <a:rPr lang="en-US" sz="2800" dirty="0" err="1">
+                <a:solidFill>
+                  <a:schemeClr val="tx1"/>
+                </a:solidFill>
+              </a:rPr>
+              <a:t>dan</a:t>
+            </a:r>
+            <a:r>
+              <a:rPr lang="en-US" sz="2800" dirty="0">
+                <a:solidFill>
+                  <a:schemeClr val="tx1"/>
+                </a:solidFill>
+              </a:rPr>
+              <a:t> Unicode </a:t>
+            </a:r>
+            <a:r>
+              <a:rPr lang="en-US" sz="2800" dirty="0" err="1">
+                <a:solidFill>
+                  <a:schemeClr val="tx1"/>
+                </a:solidFill>
+              </a:rPr>
+              <a:t>tetapi</a:t>
+            </a:r>
+            <a:r>
+              <a:rPr lang="en-US" sz="2800" dirty="0">
+                <a:solidFill>
+                  <a:schemeClr val="tx1"/>
+                </a:solidFill>
+              </a:rPr>
+              <a:t> ASCII </a:t>
+            </a:r>
+            <a:r>
+              <a:rPr lang="en-US" sz="2800" dirty="0" err="1">
+                <a:solidFill>
+                  <a:schemeClr val="tx1"/>
+                </a:solidFill>
+              </a:rPr>
+              <a:t>lebih</a:t>
+            </a:r>
+            <a:r>
+              <a:rPr lang="en-US" sz="2800" dirty="0">
+                <a:solidFill>
+                  <a:schemeClr val="tx1"/>
+                </a:solidFill>
+              </a:rPr>
+              <a:t> </a:t>
+            </a:r>
+            <a:r>
+              <a:rPr lang="en-US" sz="2800" dirty="0" err="1">
+                <a:solidFill>
+                  <a:schemeClr val="tx1"/>
+                </a:solidFill>
+              </a:rPr>
+              <a:t>bersifat</a:t>
+            </a:r>
+            <a:r>
+              <a:rPr lang="en-US" sz="2800" dirty="0">
+                <a:solidFill>
+                  <a:schemeClr val="tx1"/>
+                </a:solidFill>
+              </a:rPr>
+              <a:t> universal, </a:t>
+            </a:r>
+            <a:r>
+              <a:rPr lang="en-US" sz="2800" dirty="0" err="1">
+                <a:solidFill>
+                  <a:schemeClr val="tx1"/>
+                </a:solidFill>
+              </a:rPr>
+              <a:t>contohnya</a:t>
+            </a:r>
+            <a:r>
+              <a:rPr lang="en-US" sz="2800" dirty="0">
+                <a:solidFill>
+                  <a:schemeClr val="tx1"/>
+                </a:solidFill>
+              </a:rPr>
+              <a:t> 124 </a:t>
+            </a:r>
+            <a:r>
+              <a:rPr lang="en-US" sz="2800" dirty="0" err="1">
+                <a:solidFill>
+                  <a:schemeClr val="tx1"/>
+                </a:solidFill>
+              </a:rPr>
+              <a:t>adalah</a:t>
+            </a:r>
+            <a:r>
+              <a:rPr lang="en-US" sz="2800" dirty="0">
+                <a:solidFill>
+                  <a:schemeClr val="tx1"/>
+                </a:solidFill>
+              </a:rPr>
+              <a:t> </a:t>
+            </a:r>
+            <a:r>
+              <a:rPr lang="en-US" sz="2800" dirty="0" err="1">
+                <a:solidFill>
+                  <a:schemeClr val="tx1"/>
+                </a:solidFill>
+              </a:rPr>
+              <a:t>untuk</a:t>
+            </a:r>
+            <a:r>
+              <a:rPr lang="en-US" sz="2800" dirty="0">
+                <a:solidFill>
+                  <a:schemeClr val="tx1"/>
+                </a:solidFill>
+              </a:rPr>
+              <a:t> </a:t>
+            </a:r>
+            <a:r>
+              <a:rPr lang="en-US" sz="2800" dirty="0" err="1">
+                <a:solidFill>
+                  <a:schemeClr val="tx1"/>
+                </a:solidFill>
+              </a:rPr>
+              <a:t>karakter</a:t>
+            </a:r>
+            <a:r>
+              <a:rPr lang="en-US" sz="2800" dirty="0">
+                <a:solidFill>
+                  <a:schemeClr val="tx1"/>
+                </a:solidFill>
+              </a:rPr>
+              <a:t> "|". </a:t>
+            </a:r>
+            <a:r>
+              <a:rPr lang="en-US" sz="2800" dirty="0" err="1">
+                <a:solidFill>
+                  <a:schemeClr val="tx1"/>
+                </a:solidFill>
+              </a:rPr>
+              <a:t>Ia</a:t>
+            </a:r>
+            <a:r>
+              <a:rPr lang="en-US" sz="2800" dirty="0">
+                <a:solidFill>
+                  <a:schemeClr val="tx1"/>
+                </a:solidFill>
+              </a:rPr>
+              <a:t> </a:t>
+            </a:r>
+            <a:r>
+              <a:rPr lang="en-US" sz="2800" dirty="0" err="1">
+                <a:solidFill>
+                  <a:schemeClr val="tx1"/>
+                </a:solidFill>
+              </a:rPr>
+              <a:t>selalu</a:t>
+            </a:r>
+            <a:r>
+              <a:rPr lang="en-US" sz="2800" dirty="0">
+                <a:solidFill>
+                  <a:schemeClr val="tx1"/>
+                </a:solidFill>
+              </a:rPr>
+              <a:t> </a:t>
+            </a:r>
+            <a:r>
+              <a:rPr lang="en-US" sz="2800" dirty="0" err="1">
+                <a:solidFill>
+                  <a:schemeClr val="tx1"/>
+                </a:solidFill>
+              </a:rPr>
+              <a:t>digunakan</a:t>
+            </a:r>
+            <a:r>
+              <a:rPr lang="en-US" sz="2800" dirty="0">
+                <a:solidFill>
+                  <a:schemeClr val="tx1"/>
+                </a:solidFill>
+              </a:rPr>
+              <a:t> </a:t>
+            </a:r>
+            <a:r>
+              <a:rPr lang="en-US" sz="2800" dirty="0" err="1">
+                <a:solidFill>
+                  <a:schemeClr val="tx1"/>
+                </a:solidFill>
+              </a:rPr>
+              <a:t>oleh</a:t>
+            </a:r>
+            <a:r>
+              <a:rPr lang="en-US" sz="2800" dirty="0">
+                <a:solidFill>
+                  <a:schemeClr val="tx1"/>
+                </a:solidFill>
+              </a:rPr>
+              <a:t> </a:t>
+            </a:r>
+            <a:r>
+              <a:rPr lang="en-US" sz="2800" dirty="0" err="1">
+                <a:solidFill>
+                  <a:schemeClr val="tx1"/>
+                </a:solidFill>
+              </a:rPr>
+              <a:t>komputer</a:t>
+            </a:r>
+            <a:r>
+              <a:rPr lang="en-US" sz="2800" dirty="0">
+                <a:solidFill>
+                  <a:schemeClr val="tx1"/>
+                </a:solidFill>
+              </a:rPr>
+              <a:t> </a:t>
+            </a:r>
+            <a:r>
+              <a:rPr lang="en-US" sz="2800" dirty="0" err="1">
+                <a:solidFill>
+                  <a:schemeClr val="tx1"/>
+                </a:solidFill>
+              </a:rPr>
+              <a:t>dan</a:t>
+            </a:r>
+            <a:r>
+              <a:rPr lang="en-US" sz="2800" dirty="0">
+                <a:solidFill>
+                  <a:schemeClr val="tx1"/>
+                </a:solidFill>
+              </a:rPr>
+              <a:t> </a:t>
+            </a:r>
+            <a:r>
+              <a:rPr lang="en-US" sz="2800" dirty="0" err="1">
+                <a:solidFill>
+                  <a:schemeClr val="tx1"/>
+                </a:solidFill>
+              </a:rPr>
+              <a:t>alat</a:t>
+            </a:r>
+            <a:r>
+              <a:rPr lang="en-US" sz="2800" dirty="0">
+                <a:solidFill>
+                  <a:schemeClr val="tx1"/>
+                </a:solidFill>
+              </a:rPr>
+              <a:t> </a:t>
+            </a:r>
+            <a:r>
+              <a:rPr lang="en-US" sz="2800" dirty="0" err="1">
+                <a:solidFill>
+                  <a:schemeClr val="tx1"/>
+                </a:solidFill>
+              </a:rPr>
+              <a:t>komunikasi</a:t>
+            </a:r>
+            <a:r>
+              <a:rPr lang="en-US" sz="2800" dirty="0">
+                <a:solidFill>
+                  <a:schemeClr val="tx1"/>
+                </a:solidFill>
+              </a:rPr>
+              <a:t> lain </a:t>
+            </a:r>
+            <a:r>
+              <a:rPr lang="en-US" sz="2800" dirty="0" err="1">
+                <a:solidFill>
+                  <a:schemeClr val="tx1"/>
+                </a:solidFill>
+              </a:rPr>
+              <a:t>untuk</a:t>
+            </a:r>
+            <a:r>
+              <a:rPr lang="en-US" sz="2800" dirty="0">
+                <a:solidFill>
+                  <a:schemeClr val="tx1"/>
+                </a:solidFill>
+              </a:rPr>
+              <a:t> </a:t>
+            </a:r>
+            <a:r>
+              <a:rPr lang="en-US" sz="2800" dirty="0" err="1">
+                <a:solidFill>
+                  <a:schemeClr val="tx1"/>
+                </a:solidFill>
+              </a:rPr>
+              <a:t>menunjukkan</a:t>
+            </a:r>
+            <a:r>
+              <a:rPr lang="en-US" sz="2800" dirty="0">
+                <a:solidFill>
+                  <a:schemeClr val="tx1"/>
+                </a:solidFill>
+              </a:rPr>
+              <a:t> </a:t>
+            </a:r>
+            <a:r>
+              <a:rPr lang="en-US" sz="2800" dirty="0" err="1">
+                <a:solidFill>
+                  <a:schemeClr val="tx1"/>
+                </a:solidFill>
+              </a:rPr>
+              <a:t>teks</a:t>
+            </a:r>
+            <a:r>
+              <a:rPr lang="en-US" sz="2800" dirty="0">
+                <a:solidFill>
+                  <a:schemeClr val="tx1"/>
+                </a:solidFill>
+              </a:rPr>
+              <a:t>.</a:t>
+            </a:r>
+            <a:r>
+              <a:rPr lang="en-US" sz="2800" dirty="0">
+                <a:solidFill>
+                  <a:schemeClr val="tx1"/>
+                </a:solidFill>
+              </a:rPr>
+              <a:t/>
+            </a:r>
+            <a:br>
+              <a:rPr lang="en-US" sz="2800" dirty="0">
+                <a:solidFill>
+                  <a:schemeClr val="tx1"/>
+                </a:solidFill>
+              </a:rPr>
+            </a:br>
+            <a:r>
+              <a:rPr lang="en-US" sz="2800" dirty="0">
+                <a:solidFill>
+                  <a:schemeClr val="tx1"/>
+                </a:solidFill>
+              </a:rPr>
+              <a:t/>
+            </a:r>
+            <a:br>
+              <a:rPr lang="en-US" sz="2800" dirty="0">
+                <a:solidFill>
+                  <a:schemeClr val="tx1"/>
+                </a:solidFill>
+              </a:rPr>
+            </a:br>
+            <a:r>
+              <a:rPr lang="en-US" sz="2800" dirty="0" err="1">
+                <a:solidFill>
+                  <a:schemeClr val="tx1"/>
+                </a:solidFill>
+              </a:rPr>
+              <a:t>sedangkan</a:t>
+            </a:r>
+            <a:r>
+              <a:rPr lang="en-US" sz="2800" dirty="0">
+                <a:solidFill>
+                  <a:schemeClr val="tx1"/>
+                </a:solidFill>
+              </a:rPr>
+              <a:t> </a:t>
+            </a:r>
+            <a:r>
+              <a:rPr lang="en-US" sz="2800" dirty="0" err="1">
+                <a:solidFill>
+                  <a:schemeClr val="tx1"/>
+                </a:solidFill>
+              </a:rPr>
+              <a:t>fungsi</a:t>
+            </a:r>
+            <a:r>
+              <a:rPr lang="en-US" sz="2800" dirty="0">
+                <a:solidFill>
+                  <a:schemeClr val="tx1"/>
+                </a:solidFill>
+              </a:rPr>
+              <a:t> </a:t>
+            </a:r>
+            <a:r>
+              <a:rPr lang="en-US" sz="2800" dirty="0" err="1">
+                <a:solidFill>
+                  <a:schemeClr val="tx1"/>
+                </a:solidFill>
+              </a:rPr>
+              <a:t>dari</a:t>
+            </a:r>
+            <a:r>
+              <a:rPr lang="en-US" sz="2800" dirty="0">
+                <a:solidFill>
+                  <a:schemeClr val="tx1"/>
+                </a:solidFill>
+              </a:rPr>
+              <a:t> </a:t>
+            </a:r>
+            <a:r>
+              <a:rPr lang="en-US" sz="2800" dirty="0" err="1">
+                <a:solidFill>
+                  <a:schemeClr val="tx1"/>
+                </a:solidFill>
+              </a:rPr>
+              <a:t>kode</a:t>
+            </a:r>
+            <a:r>
+              <a:rPr lang="en-US" sz="2800" dirty="0">
+                <a:solidFill>
+                  <a:schemeClr val="tx1"/>
+                </a:solidFill>
+              </a:rPr>
+              <a:t> ASCII </a:t>
+            </a:r>
+            <a:r>
+              <a:rPr lang="en-US" sz="2800" dirty="0" err="1">
+                <a:solidFill>
+                  <a:schemeClr val="tx1"/>
+                </a:solidFill>
+              </a:rPr>
+              <a:t>ialah</a:t>
+            </a:r>
+            <a:r>
+              <a:rPr lang="en-US" sz="2800" dirty="0">
+                <a:solidFill>
+                  <a:schemeClr val="tx1"/>
+                </a:solidFill>
+              </a:rPr>
+              <a:t> </a:t>
+            </a:r>
+            <a:r>
+              <a:rPr lang="en-US" sz="2800" dirty="0" err="1">
+                <a:solidFill>
+                  <a:schemeClr val="tx1"/>
+                </a:solidFill>
+              </a:rPr>
+              <a:t>digunakan</a:t>
+            </a:r>
+            <a:r>
+              <a:rPr lang="en-US" sz="2800" dirty="0">
+                <a:solidFill>
+                  <a:schemeClr val="tx1"/>
+                </a:solidFill>
+              </a:rPr>
+              <a:t> </a:t>
+            </a:r>
+            <a:r>
+              <a:rPr lang="en-US" sz="2800" dirty="0" err="1">
+                <a:solidFill>
+                  <a:schemeClr val="tx1"/>
+                </a:solidFill>
+              </a:rPr>
+              <a:t>untuk</a:t>
+            </a:r>
+            <a:r>
+              <a:rPr lang="en-US" sz="2800" dirty="0">
+                <a:solidFill>
+                  <a:schemeClr val="tx1"/>
+                </a:solidFill>
+              </a:rPr>
+              <a:t> </a:t>
+            </a:r>
+            <a:r>
+              <a:rPr lang="en-US" sz="2800" dirty="0" err="1">
+                <a:solidFill>
+                  <a:schemeClr val="tx1"/>
+                </a:solidFill>
+              </a:rPr>
+              <a:t>mewakili</a:t>
+            </a:r>
+            <a:r>
+              <a:rPr lang="en-US" sz="2800" dirty="0">
+                <a:solidFill>
+                  <a:schemeClr val="tx1"/>
+                </a:solidFill>
+              </a:rPr>
+              <a:t> </a:t>
+            </a:r>
+            <a:r>
+              <a:rPr lang="en-US" sz="2800" dirty="0" err="1">
+                <a:solidFill>
+                  <a:schemeClr val="tx1"/>
+                </a:solidFill>
+              </a:rPr>
+              <a:t>karakter-karakter</a:t>
+            </a:r>
+            <a:r>
+              <a:rPr lang="en-US" sz="2800" dirty="0">
+                <a:solidFill>
+                  <a:schemeClr val="tx1"/>
+                </a:solidFill>
+              </a:rPr>
+              <a:t> </a:t>
+            </a:r>
+            <a:r>
+              <a:rPr lang="en-US" sz="2800" dirty="0" err="1">
+                <a:solidFill>
+                  <a:schemeClr val="tx1"/>
+                </a:solidFill>
+              </a:rPr>
+              <a:t>angka</a:t>
+            </a:r>
+            <a:r>
+              <a:rPr lang="en-US" sz="2800" dirty="0">
+                <a:solidFill>
+                  <a:schemeClr val="tx1"/>
+                </a:solidFill>
+              </a:rPr>
+              <a:t> </a:t>
+            </a:r>
+            <a:r>
+              <a:rPr lang="en-US" sz="2800" dirty="0" err="1">
+                <a:solidFill>
+                  <a:schemeClr val="tx1"/>
+                </a:solidFill>
+              </a:rPr>
+              <a:t>maupun</a:t>
+            </a:r>
+            <a:r>
+              <a:rPr lang="en-US" sz="2800" dirty="0">
+                <a:solidFill>
+                  <a:schemeClr val="tx1"/>
+                </a:solidFill>
+              </a:rPr>
+              <a:t> </a:t>
+            </a:r>
+            <a:r>
+              <a:rPr lang="en-US" sz="2800" dirty="0" err="1">
+                <a:solidFill>
+                  <a:schemeClr val="tx1"/>
+                </a:solidFill>
+              </a:rPr>
+              <a:t>huruf</a:t>
+            </a:r>
+            <a:r>
+              <a:rPr lang="en-US" sz="2800" dirty="0">
+                <a:solidFill>
+                  <a:schemeClr val="tx1"/>
+                </a:solidFill>
+              </a:rPr>
+              <a:t> </a:t>
+            </a:r>
+            <a:r>
+              <a:rPr lang="en-US" sz="2800" dirty="0" err="1">
+                <a:solidFill>
+                  <a:schemeClr val="tx1"/>
+                </a:solidFill>
+              </a:rPr>
+              <a:t>didalam</a:t>
+            </a:r>
+            <a:r>
+              <a:rPr lang="en-US" sz="2800" dirty="0">
+                <a:solidFill>
+                  <a:schemeClr val="tx1"/>
+                </a:solidFill>
+              </a:rPr>
+              <a:t> </a:t>
+            </a:r>
+            <a:r>
+              <a:rPr lang="en-US" sz="2800" dirty="0" err="1">
+                <a:solidFill>
+                  <a:schemeClr val="tx1"/>
+                </a:solidFill>
+              </a:rPr>
+              <a:t>komputer</a:t>
+            </a:r>
+            <a:r>
+              <a:rPr lang="en-US" sz="2800" dirty="0">
+                <a:solidFill>
+                  <a:schemeClr val="tx1"/>
+                </a:solidFill>
+              </a:rPr>
+              <a:t>, </a:t>
+            </a:r>
+            <a:r>
+              <a:rPr lang="en-US" sz="2800" dirty="0" err="1">
+                <a:solidFill>
+                  <a:schemeClr val="tx1"/>
+                </a:solidFill>
+              </a:rPr>
+              <a:t>sebagai</a:t>
+            </a:r>
+            <a:r>
+              <a:rPr lang="en-US" sz="2800" dirty="0">
+                <a:solidFill>
+                  <a:schemeClr val="tx1"/>
+                </a:solidFill>
+              </a:rPr>
+              <a:t> </a:t>
+            </a:r>
+            <a:r>
+              <a:rPr lang="en-US" sz="2800" dirty="0" err="1">
+                <a:solidFill>
+                  <a:schemeClr val="tx1"/>
+                </a:solidFill>
+              </a:rPr>
+              <a:t>contoh</a:t>
+            </a:r>
+            <a:r>
+              <a:rPr lang="en-US" sz="2800" dirty="0">
+                <a:solidFill>
+                  <a:schemeClr val="tx1"/>
+                </a:solidFill>
+              </a:rPr>
+              <a:t> </a:t>
+            </a:r>
+            <a:r>
+              <a:rPr lang="en-US" sz="2800" dirty="0" err="1">
+                <a:solidFill>
+                  <a:schemeClr val="tx1"/>
+                </a:solidFill>
+              </a:rPr>
+              <a:t>dapat</a:t>
+            </a:r>
+            <a:r>
+              <a:rPr lang="en-US" sz="2800" dirty="0">
+                <a:solidFill>
+                  <a:schemeClr val="tx1"/>
+                </a:solidFill>
+              </a:rPr>
+              <a:t> </a:t>
+            </a:r>
+            <a:r>
+              <a:rPr lang="en-US" sz="2800" dirty="0" err="1">
+                <a:solidFill>
+                  <a:schemeClr val="tx1"/>
+                </a:solidFill>
+              </a:rPr>
+              <a:t>kita</a:t>
+            </a:r>
+            <a:r>
+              <a:rPr lang="en-US" sz="2800" dirty="0">
+                <a:solidFill>
+                  <a:schemeClr val="tx1"/>
+                </a:solidFill>
+              </a:rPr>
+              <a:t> </a:t>
+            </a:r>
+            <a:r>
+              <a:rPr lang="en-US" sz="2800" dirty="0" err="1">
+                <a:solidFill>
+                  <a:schemeClr val="tx1"/>
+                </a:solidFill>
+              </a:rPr>
+              <a:t>lihat</a:t>
+            </a:r>
+            <a:r>
+              <a:rPr lang="en-US" sz="2800" dirty="0">
+                <a:solidFill>
+                  <a:schemeClr val="tx1"/>
+                </a:solidFill>
+              </a:rPr>
+              <a:t> </a:t>
+            </a:r>
+            <a:r>
+              <a:rPr lang="en-US" sz="2800" dirty="0" err="1">
+                <a:solidFill>
+                  <a:schemeClr val="tx1"/>
+                </a:solidFill>
+              </a:rPr>
+              <a:t>pada</a:t>
+            </a:r>
+            <a:r>
+              <a:rPr lang="en-US" sz="2800" dirty="0">
+                <a:solidFill>
+                  <a:schemeClr val="tx1"/>
+                </a:solidFill>
+              </a:rPr>
+              <a:t> </a:t>
+            </a:r>
+            <a:r>
+              <a:rPr lang="en-US" sz="2800" dirty="0" err="1">
+                <a:solidFill>
+                  <a:schemeClr val="tx1"/>
+                </a:solidFill>
+              </a:rPr>
+              <a:t>karakter</a:t>
+            </a:r>
+            <a:r>
+              <a:rPr lang="en-US" sz="2800" dirty="0">
+                <a:solidFill>
+                  <a:schemeClr val="tx1"/>
+                </a:solidFill>
+              </a:rPr>
+              <a:t> 1, 2, 3, A, B, C, </a:t>
+            </a:r>
+            <a:r>
+              <a:rPr lang="en-US" sz="2800" dirty="0" err="1">
+                <a:solidFill>
+                  <a:schemeClr val="tx1"/>
+                </a:solidFill>
+              </a:rPr>
+              <a:t>dan</a:t>
+            </a:r>
+            <a:r>
+              <a:rPr lang="en-US" sz="2800" dirty="0">
+                <a:solidFill>
+                  <a:schemeClr val="tx1"/>
+                </a:solidFill>
+              </a:rPr>
+              <a:t> </a:t>
+            </a:r>
+            <a:r>
+              <a:rPr lang="en-US" sz="2800" dirty="0" err="1">
+                <a:solidFill>
+                  <a:schemeClr val="tx1"/>
+                </a:solidFill>
+              </a:rPr>
+              <a:t>sebagainya</a:t>
+            </a:r>
+            <a:r>
+              <a:rPr lang="en-US" sz="2800" dirty="0">
+                <a:solidFill>
+                  <a:schemeClr val="tx1"/>
+                </a:solidFill>
+              </a:rPr>
+              <a:t>.</a:t>
+            </a:r>
+            <a:endParaRPr lang="en-US" sz="2800" dirty="0">
+              <a:solidFill>
+                <a:schemeClr val="tx1"/>
+              </a:solidFill>
+            </a:endParaRPr>
+          </a:p>
+        </p:txBody>
+      </p:sp>
+    </p:spTree>
+    <p:extLst>
+      <p:ext uri="{BB962C8B-B14F-4D97-AF65-F5344CB8AC3E}">
+        <p14:creationId xmlns:p14="http://schemas.microsoft.com/office/powerpoint/2010/main" val="3704847357"/>
+      </p:ext>
+    </p:extLst>
+  </p:cSld>
+  <p:clrMapOvr>
+    <a:masterClrMapping/>
+  </p:clrMapOvr>
+</p:sld>
+</file>
+
+<file path=ppt/slides/slide4.xml><?xml version="1.0" encoding="utf-8"?>
+<p:sld xmlns:a="http://schemas.openxmlformats.org/drawingml/2006/main" xmlns:r="http://schemas.openxmlformats.org/officeDocument/2006/relationships" xmlns:p="http://schemas.openxmlformats.org/presentationml/2006/main">
+  <p:cSld>
+    <p:spTree>
+      <p:nvGrpSpPr>
+        <p:cNvPr id="1" name=""/>
+        <p:cNvGrpSpPr/>
+        <p:nvPr/>
+      </p:nvGrpSpPr>
+      <p:grpSpPr>
+        <a:xfrm>
+          <a:off x="0" y="0"/>
+          <a:ext cx="0" cy="0"/>
+          <a:chOff x="0" y="0"/>
+          <a:chExt cx="0" cy="0"/>
+        </a:xfrm>
+      </p:grpSpPr>
+      <p:sp>
+        <p:nvSpPr>
+          <p:cNvPr id="2" name="Title 1"/>
+          <p:cNvSpPr>
+            <a:spLocks noGrp="1"/>
+          </p:cNvSpPr>
+          <p:nvPr>
+            <p:ph type="ctrTitle"/>
+          </p:nvPr>
+        </p:nvSpPr>
+        <p:spPr>
+          <a:xfrm>
+            <a:off x="956249" y="1481460"/>
+            <a:ext cx="8001000" cy="968188"/>
+          </a:xfrm>
+        </p:spPr>
+        <p:txBody>
+          <a:bodyPr>
+            <a:noAutofit/>
+          </a:bodyPr>
+          <a:lstStyle/>
+          <a:p>
+            <a:r>
+              <a:rPr lang="en-US" b="1" dirty="0" smtClean="0"/>
+              <a:t>Link repository GITHUB</a:t>
+            </a:r>
+            <a:endParaRPr lang="en-US" b="1" dirty="0"/>
+          </a:p>
+        </p:txBody>
+      </p:sp>
+      <p:sp>
+        <p:nvSpPr>
+          <p:cNvPr id="3" name="Rectangle 2"/>
+          <p:cNvSpPr/>
+          <p:nvPr/>
+        </p:nvSpPr>
+        <p:spPr>
+          <a:xfrm>
+            <a:off x="956249" y="2449648"/>
+            <a:ext cx="9129422" cy="584775"/>
+          </a:xfrm>
+          <a:prstGeom prst="rect">
+            <a:avLst/>
+          </a:prstGeom>
+        </p:spPr>
+        <p:txBody>
+          <a:bodyPr wrap="none">
+            <a:spAutoFit/>
+          </a:bodyPr>
+          <a:lstStyle/>
+          <a:p>
+            <a:r>
+              <a:rPr lang="en-US" sz="3200" b="1" dirty="0">
+                <a:hlinkClick r:id="rId2"/>
+              </a:rPr>
+              <a:t>https://github.com/samuel33651/finalproject</a:t>
+            </a:r>
+            <a:endParaRPr lang="en-US" sz="3200" b="1" dirty="0"/>
+          </a:p>
+        </p:txBody>
+      </p:sp>
+    </p:spTree>
+    <p:extLst>
+      <p:ext uri="{BB962C8B-B14F-4D97-AF65-F5344CB8AC3E}">
+        <p14:creationId xmlns:p14="http://schemas.microsoft.com/office/powerpoint/2010/main" val="1470350552"/>
+      </p:ext>
+    </p:extLst>
+  </p:cSld>
+  <p:clrMapOvr>
+    <a:masterClrMapping/>
+  </p:clrMapOvr>
+</p:sld>
+</file>
+
+<file path=ppt/slides/slide5.xml><?xml version="1.0" encoding="utf-8"?>
+<p:sld xmlns:a="http://schemas.openxmlformats.org/drawingml/2006/main" xmlns:r="http://schemas.openxmlformats.org/officeDocument/2006/relationships" xmlns:p="http://schemas.openxmlformats.org/presentationml/2006/main">
+  <p:cSld>
+    <p:spTree>
+      <p:nvGrpSpPr>
+        <p:cNvPr id="1" name=""/>
+        <p:cNvGrpSpPr/>
+        <p:nvPr/>
+      </p:nvGrpSpPr>
+      <p:grpSpPr>
+        <a:xfrm>
+          <a:off x="0" y="0"/>
+          <a:ext cx="0" cy="0"/>
+          <a:chOff x="0" y="0"/>
+          <a:chExt cx="0" cy="0"/>
+        </a:xfrm>
+      </p:grpSpPr>
+      <p:sp>
+        <p:nvSpPr>
           <p:cNvPr id="2" name="Title 1"/>
           <p:cNvSpPr>
             <a:spLocks noGrp="1"/>
@@ -5571,7 +6840,7 @@
     </p:spTree>
     <p:extLst>
       <p:ext uri="{BB962C8B-B14F-4D97-AF65-F5344CB8AC3E}">
-        <p14:creationId xmlns:p14="http://schemas.microsoft.com/office/powerpoint/2010/main" val="1470350552"/>
+        <p14:creationId xmlns:p14="http://schemas.microsoft.com/office/powerpoint/2010/main" val="3370744967"/>
       </p:ext>
     </p:extLst>
   </p:cSld>

--- a/FINAL PROJECT C++.pptx
+++ b/FINAL PROJECT C++.pptx
@@ -10,6 +10,7 @@
     <p:sldId id="259" r:id="rId4"/>
     <p:sldId id="258" r:id="rId5"/>
     <p:sldId id="261" r:id="rId6"/>
+    <p:sldId id="263" r:id="rId7"/>
   </p:sldIdLst>
   <p:sldSz cx="12192000" cy="6858000"/>
   <p:notesSz cx="6858000" cy="9144000"/>
@@ -5539,11 +5540,7 @@
           <a:p>
             <a:r>
               <a:rPr lang="en-US" b="1" dirty="0" smtClean="0"/>
-              <a:t>FINAL PROJECT C</a:t>
-            </a:r>
-            <a:r>
-              <a:rPr lang="en-US" b="1" dirty="0" smtClean="0"/>
-              <a:t>++</a:t>
+              <a:t>FINAL PROJECT C++</a:t>
             </a:r>
           </a:p>
           <a:p>
@@ -6280,14 +6277,6 @@
               </a:rPr>
               <a:t>.</a:t>
             </a:r>
-            <a:r>
-              <a:rPr lang="en-US" sz="2800" dirty="0">
-                <a:solidFill>
-                  <a:schemeClr val="tx1"/>
-                </a:solidFill>
-              </a:rPr>
-              <a:t/>
-            </a:r>
             <a:br>
               <a:rPr lang="en-US" sz="2800" dirty="0">
                 <a:solidFill>
@@ -6678,11 +6667,6 @@
               </a:rPr>
               <a:t>.</a:t>
             </a:r>
-            <a:endParaRPr lang="en-US" sz="2800" dirty="0">
-              <a:solidFill>
-                <a:schemeClr val="tx1"/>
-              </a:solidFill>
-            </a:endParaRPr>
           </a:p>
         </p:txBody>
       </p:sp>
@@ -6819,6 +6803,66 @@
         </p:nvSpPr>
         <p:spPr>
           <a:xfrm>
+            <a:off x="2371689" y="3473098"/>
+            <a:ext cx="8001000" cy="968188"/>
+          </a:xfrm>
+        </p:spPr>
+        <p:txBody>
+          <a:bodyPr>
+            <a:noAutofit/>
+          </a:bodyPr>
+          <a:lstStyle/>
+          <a:p>
+            <a:r>
+              <a:rPr lang="en-US" sz="6600" b="1" dirty="0" smtClean="0"/>
+              <a:t>REVIEW SOURCE CODE</a:t>
+            </a:r>
+            <a:endParaRPr lang="en-US" sz="6600" b="1" dirty="0"/>
+          </a:p>
+        </p:txBody>
+      </p:sp>
+    </p:spTree>
+    <p:extLst>
+      <p:ext uri="{BB962C8B-B14F-4D97-AF65-F5344CB8AC3E}">
+        <p14:creationId xmlns:p14="http://schemas.microsoft.com/office/powerpoint/2010/main" val="3370744967"/>
+      </p:ext>
+    </p:extLst>
+  </p:cSld>
+  <p:clrMapOvr>
+    <a:masterClrMapping/>
+  </p:clrMapOvr>
+</p:sld>
+</file>
+
+<file path=ppt/slides/slide6.xml><?xml version="1.0" encoding="utf-8"?>
+<p:sld xmlns:a="http://schemas.openxmlformats.org/drawingml/2006/main" xmlns:r="http://schemas.openxmlformats.org/officeDocument/2006/relationships" xmlns:p="http://schemas.openxmlformats.org/presentationml/2006/main">
+  <p:cSld>
+    <p:spTree>
+      <p:nvGrpSpPr>
+        <p:cNvPr id="1" name=""/>
+        <p:cNvGrpSpPr/>
+        <p:nvPr/>
+      </p:nvGrpSpPr>
+      <p:grpSpPr>
+        <a:xfrm>
+          <a:off x="0" y="0"/>
+          <a:ext cx="0" cy="0"/>
+          <a:chOff x="0" y="0"/>
+          <a:chExt cx="0" cy="0"/>
+        </a:xfrm>
+      </p:grpSpPr>
+      <p:sp>
+        <p:nvSpPr>
+          <p:cNvPr id="2" name="Title 1"/>
+          <p:cNvSpPr>
+            <a:spLocks noGrp="1"/>
+          </p:cNvSpPr>
+          <p:nvPr>
+            <p:ph type="ctrTitle"/>
+          </p:nvPr>
+        </p:nvSpPr>
+        <p:spPr>
+          <a:xfrm>
             <a:off x="2534528" y="3560781"/>
             <a:ext cx="8001000" cy="968188"/>
           </a:xfrm>
@@ -6840,7 +6884,7 @@
     </p:spTree>
     <p:extLst>
       <p:ext uri="{BB962C8B-B14F-4D97-AF65-F5344CB8AC3E}">
-        <p14:creationId xmlns:p14="http://schemas.microsoft.com/office/powerpoint/2010/main" val="3370744967"/>
+        <p14:creationId xmlns:p14="http://schemas.microsoft.com/office/powerpoint/2010/main" val="4049875319"/>
       </p:ext>
     </p:extLst>
   </p:cSld>

--- a/FINAL PROJECT C++.pptx
+++ b/FINAL PROJECT C++.pptx
@@ -309,7 +309,7 @@
             <a:fld id="{B61BEF0D-F0BB-DE4B-95CE-6DB70DBA9567}" type="datetimeFigureOut">
               <a:rPr lang="en-US" dirty="0"/>
               <a:pPr/>
-              <a:t>7/6/2019</a:t>
+              <a:t>7/7/2019</a:t>
             </a:fld>
             <a:endParaRPr lang="en-US" dirty="0"/>
           </a:p>
@@ -742,7 +742,7 @@
             <a:fld id="{B61BEF0D-F0BB-DE4B-95CE-6DB70DBA9567}" type="datetimeFigureOut">
               <a:rPr lang="en-US" dirty="0"/>
               <a:pPr/>
-              <a:t>7/6/2019</a:t>
+              <a:t>7/7/2019</a:t>
             </a:fld>
             <a:endParaRPr lang="en-US" dirty="0"/>
           </a:p>
@@ -989,7 +989,7 @@
             <a:fld id="{B61BEF0D-F0BB-DE4B-95CE-6DB70DBA9567}" type="datetimeFigureOut">
               <a:rPr lang="en-US" dirty="0"/>
               <a:pPr/>
-              <a:t>7/6/2019</a:t>
+              <a:t>7/7/2019</a:t>
             </a:fld>
             <a:endParaRPr lang="en-US" dirty="0"/>
           </a:p>
@@ -1294,7 +1294,7 @@
             <a:fld id="{B61BEF0D-F0BB-DE4B-95CE-6DB70DBA9567}" type="datetimeFigureOut">
               <a:rPr lang="en-US" dirty="0"/>
               <a:pPr/>
-              <a:t>7/6/2019</a:t>
+              <a:t>7/7/2019</a:t>
             </a:fld>
             <a:endParaRPr lang="en-US" dirty="0"/>
           </a:p>
@@ -1609,7 +1609,7 @@
             <a:fld id="{B61BEF0D-F0BB-DE4B-95CE-6DB70DBA9567}" type="datetimeFigureOut">
               <a:rPr lang="en-US" dirty="0"/>
               <a:pPr/>
-              <a:t>7/6/2019</a:t>
+              <a:t>7/7/2019</a:t>
             </a:fld>
             <a:endParaRPr lang="en-US" dirty="0"/>
           </a:p>
@@ -1908,7 +1908,7 @@
             <a:fld id="{B61BEF0D-F0BB-DE4B-95CE-6DB70DBA9567}" type="datetimeFigureOut">
               <a:rPr lang="en-US" dirty="0"/>
               <a:pPr/>
-              <a:t>7/6/2019</a:t>
+              <a:t>7/7/2019</a:t>
             </a:fld>
             <a:endParaRPr lang="en-US" dirty="0"/>
           </a:p>
@@ -2272,7 +2272,7 @@
             <a:fld id="{B61BEF0D-F0BB-DE4B-95CE-6DB70DBA9567}" type="datetimeFigureOut">
               <a:rPr lang="en-US" dirty="0"/>
               <a:pPr/>
-              <a:t>7/6/2019</a:t>
+              <a:t>7/7/2019</a:t>
             </a:fld>
             <a:endParaRPr lang="en-US" dirty="0"/>
           </a:p>
@@ -2443,7 +2443,7 @@
             <a:fld id="{B61BEF0D-F0BB-DE4B-95CE-6DB70DBA9567}" type="datetimeFigureOut">
               <a:rPr lang="en-US" dirty="0"/>
               <a:pPr/>
-              <a:t>7/6/2019</a:t>
+              <a:t>7/7/2019</a:t>
             </a:fld>
             <a:endParaRPr lang="en-US" dirty="0"/>
           </a:p>
@@ -2620,7 +2620,7 @@
             <a:fld id="{B61BEF0D-F0BB-DE4B-95CE-6DB70DBA9567}" type="datetimeFigureOut">
               <a:rPr lang="en-US" dirty="0"/>
               <a:pPr/>
-              <a:t>7/6/2019</a:t>
+              <a:t>7/7/2019</a:t>
             </a:fld>
             <a:endParaRPr lang="en-US" dirty="0"/>
           </a:p>
@@ -2787,7 +2787,7 @@
             <a:fld id="{B61BEF0D-F0BB-DE4B-95CE-6DB70DBA9567}" type="datetimeFigureOut">
               <a:rPr lang="en-US" dirty="0"/>
               <a:pPr/>
-              <a:t>7/6/2019</a:t>
+              <a:t>7/7/2019</a:t>
             </a:fld>
             <a:endParaRPr lang="en-US" dirty="0"/>
           </a:p>
@@ -3034,7 +3034,7 @@
             <a:fld id="{B61BEF0D-F0BB-DE4B-95CE-6DB70DBA9567}" type="datetimeFigureOut">
               <a:rPr lang="en-US" dirty="0"/>
               <a:pPr/>
-              <a:t>7/6/2019</a:t>
+              <a:t>7/7/2019</a:t>
             </a:fld>
             <a:endParaRPr lang="en-US" dirty="0"/>
           </a:p>
@@ -3267,7 +3267,7 @@
             <a:fld id="{B61BEF0D-F0BB-DE4B-95CE-6DB70DBA9567}" type="datetimeFigureOut">
               <a:rPr lang="en-US" dirty="0"/>
               <a:pPr/>
-              <a:t>7/6/2019</a:t>
+              <a:t>7/7/2019</a:t>
             </a:fld>
             <a:endParaRPr lang="en-US" dirty="0"/>
           </a:p>
@@ -3646,7 +3646,7 @@
             <a:fld id="{B61BEF0D-F0BB-DE4B-95CE-6DB70DBA9567}" type="datetimeFigureOut">
               <a:rPr lang="en-US" dirty="0"/>
               <a:pPr/>
-              <a:t>7/6/2019</a:t>
+              <a:t>7/7/2019</a:t>
             </a:fld>
             <a:endParaRPr lang="en-US" dirty="0"/>
           </a:p>
@@ -3761,7 +3761,7 @@
             <a:fld id="{B61BEF0D-F0BB-DE4B-95CE-6DB70DBA9567}" type="datetimeFigureOut">
               <a:rPr lang="en-US" dirty="0"/>
               <a:pPr/>
-              <a:t>7/6/2019</a:t>
+              <a:t>7/7/2019</a:t>
             </a:fld>
             <a:endParaRPr lang="en-US" dirty="0"/>
           </a:p>
@@ -3853,7 +3853,7 @@
             <a:fld id="{B61BEF0D-F0BB-DE4B-95CE-6DB70DBA9567}" type="datetimeFigureOut">
               <a:rPr lang="en-US" dirty="0"/>
               <a:pPr/>
-              <a:t>7/6/2019</a:t>
+              <a:t>7/7/2019</a:t>
             </a:fld>
             <a:endParaRPr lang="en-US" dirty="0"/>
           </a:p>
@@ -4105,7 +4105,7 @@
             <a:fld id="{B61BEF0D-F0BB-DE4B-95CE-6DB70DBA9567}" type="datetimeFigureOut">
               <a:rPr lang="en-US" dirty="0"/>
               <a:pPr/>
-              <a:t>7/6/2019</a:t>
+              <a:t>7/7/2019</a:t>
             </a:fld>
             <a:endParaRPr lang="en-US" dirty="0"/>
           </a:p>
@@ -4385,7 +4385,7 @@
             <a:fld id="{B61BEF0D-F0BB-DE4B-95CE-6DB70DBA9567}" type="datetimeFigureOut">
               <a:rPr lang="en-US" dirty="0"/>
               <a:pPr/>
-              <a:t>7/6/2019</a:t>
+              <a:t>7/7/2019</a:t>
             </a:fld>
             <a:endParaRPr lang="en-US" dirty="0"/>
           </a:p>
@@ -4788,7 +4788,7 @@
             <a:fld id="{B61BEF0D-F0BB-DE4B-95CE-6DB70DBA9567}" type="datetimeFigureOut">
               <a:rPr lang="en-US" dirty="0"/>
               <a:pPr/>
-              <a:t>7/6/2019</a:t>
+              <a:t>7/7/2019</a:t>
             </a:fld>
             <a:endParaRPr lang="en-US" dirty="0"/>
           </a:p>
@@ -5604,7 +5604,7 @@
       </p:sp>
       <p:pic>
         <p:nvPicPr>
-          <p:cNvPr id="2" name="Picture 1"/>
+          <p:cNvPr id="3" name="Picture 2"/>
           <p:cNvPicPr>
             <a:picLocks noChangeAspect="1"/>
           </p:cNvPicPr>
@@ -5612,13 +5612,13 @@
         </p:nvPicPr>
         <p:blipFill rotWithShape="1">
           <a:blip r:embed="rId2"/>
-          <a:srcRect l="9983" t="27829" r="35432" b="18964"/>
+          <a:srcRect l="12093" t="25095" r="16245" b="14300"/>
           <a:stretch/>
         </p:blipFill>
         <p:spPr>
           <a:xfrm>
-            <a:off x="1033218" y="1486859"/>
-            <a:ext cx="8907616" cy="4881571"/>
+            <a:off x="1052945" y="1427016"/>
+            <a:ext cx="10664454" cy="5070766"/>
           </a:xfrm>
           <a:prstGeom prst="rect">
             <a:avLst/>
